--- a/05_Active_Research_Projects/01_research for high impact journal/01_Outlines/ResearchPlans.pptx
+++ b/05_Active_Research_Projects/01_research for high impact journal/01_Outlines/ResearchPlans.pptx
@@ -5,7 +5,7 @@
     <p:sldMasterId id="2147483668" r:id="rId1"/>
   </p:sldMasterIdLst>
   <p:notesMasterIdLst>
-    <p:notesMasterId r:id="rId14"/>
+    <p:notesMasterId r:id="rId18"/>
   </p:notesMasterIdLst>
   <p:sldIdLst>
     <p:sldId id="256" r:id="rId2"/>
@@ -20,6 +20,10 @@
     <p:sldId id="404" r:id="rId11"/>
     <p:sldId id="405" r:id="rId12"/>
     <p:sldId id="406" r:id="rId13"/>
+    <p:sldId id="407" r:id="rId14"/>
+    <p:sldId id="408" r:id="rId15"/>
+    <p:sldId id="409" r:id="rId16"/>
+    <p:sldId id="410" r:id="rId17"/>
   </p:sldIdLst>
   <p:sldSz cx="9144000" cy="6858000" type="screen4x3"/>
   <p:notesSz cx="6858000" cy="9144000"/>
@@ -1072,6 +1076,176 @@
     <p:extLst>
       <p:ext uri="{BB962C8B-B14F-4D97-AF65-F5344CB8AC3E}">
         <p14:creationId xmlns:p14="http://schemas.microsoft.com/office/powerpoint/2010/main" val="478033411"/>
+      </p:ext>
+    </p:extLst>
+  </p:cSld>
+  <p:clrMapOvr>
+    <a:masterClrMapping/>
+  </p:clrMapOvr>
+</p:notes>
+</file>
+
+<file path=ppt/notesSlides/notesSlide8.xml><?xml version="1.0" encoding="utf-8"?>
+<p:notes xmlns:a="http://schemas.openxmlformats.org/drawingml/2006/main" xmlns:r="http://schemas.openxmlformats.org/officeDocument/2006/relationships" xmlns:p="http://schemas.openxmlformats.org/presentationml/2006/main">
+  <p:cSld>
+    <p:spTree>
+      <p:nvGrpSpPr>
+        <p:cNvPr id="1" name=""/>
+        <p:cNvGrpSpPr/>
+        <p:nvPr/>
+      </p:nvGrpSpPr>
+      <p:grpSpPr>
+        <a:xfrm>
+          <a:off x="0" y="0"/>
+          <a:ext cx="0" cy="0"/>
+          <a:chOff x="0" y="0"/>
+          <a:chExt cx="0" cy="0"/>
+        </a:xfrm>
+      </p:grpSpPr>
+      <p:sp>
+        <p:nvSpPr>
+          <p:cNvPr id="2" name="Slide Image Placeholder 1"/>
+          <p:cNvSpPr>
+            <a:spLocks noGrp="1" noRot="1" noChangeAspect="1"/>
+          </p:cNvSpPr>
+          <p:nvPr>
+            <p:ph type="sldImg"/>
+          </p:nvPr>
+        </p:nvSpPr>
+        <p:spPr/>
+      </p:sp>
+      <p:sp>
+        <p:nvSpPr>
+          <p:cNvPr id="3" name="Notes Placeholder 2"/>
+          <p:cNvSpPr>
+            <a:spLocks noGrp="1"/>
+          </p:cNvSpPr>
+          <p:nvPr>
+            <p:ph type="body" idx="1"/>
+          </p:nvPr>
+        </p:nvSpPr>
+        <p:spPr/>
+        <p:txBody>
+          <a:bodyPr/>
+          <a:lstStyle/>
+          <a:p>
+            <a:endParaRPr lang="en-US"/>
+          </a:p>
+        </p:txBody>
+      </p:sp>
+      <p:sp>
+        <p:nvSpPr>
+          <p:cNvPr id="4" name="Slide Number Placeholder 3"/>
+          <p:cNvSpPr>
+            <a:spLocks noGrp="1"/>
+          </p:cNvSpPr>
+          <p:nvPr>
+            <p:ph type="sldNum" sz="quarter" idx="10"/>
+          </p:nvPr>
+        </p:nvSpPr>
+        <p:spPr/>
+        <p:txBody>
+          <a:bodyPr/>
+          <a:lstStyle/>
+          <a:p>
+            <a:fld id="{6513C591-A6E0-0F42-9D30-960B33A1F915}" type="slidenum">
+              <a:rPr lang="en-US" smtClean="0"/>
+              <a:pPr/>
+              <a:t>13</a:t>
+            </a:fld>
+            <a:endParaRPr lang="en-US" dirty="0"/>
+          </a:p>
+        </p:txBody>
+      </p:sp>
+    </p:spTree>
+    <p:extLst>
+      <p:ext uri="{BB962C8B-B14F-4D97-AF65-F5344CB8AC3E}">
+        <p14:creationId xmlns:p14="http://schemas.microsoft.com/office/powerpoint/2010/main" val="275364870"/>
+      </p:ext>
+    </p:extLst>
+  </p:cSld>
+  <p:clrMapOvr>
+    <a:masterClrMapping/>
+  </p:clrMapOvr>
+</p:notes>
+</file>
+
+<file path=ppt/notesSlides/notesSlide9.xml><?xml version="1.0" encoding="utf-8"?>
+<p:notes xmlns:a="http://schemas.openxmlformats.org/drawingml/2006/main" xmlns:r="http://schemas.openxmlformats.org/officeDocument/2006/relationships" xmlns:p="http://schemas.openxmlformats.org/presentationml/2006/main">
+  <p:cSld>
+    <p:spTree>
+      <p:nvGrpSpPr>
+        <p:cNvPr id="1" name=""/>
+        <p:cNvGrpSpPr/>
+        <p:nvPr/>
+      </p:nvGrpSpPr>
+      <p:grpSpPr>
+        <a:xfrm>
+          <a:off x="0" y="0"/>
+          <a:ext cx="0" cy="0"/>
+          <a:chOff x="0" y="0"/>
+          <a:chExt cx="0" cy="0"/>
+        </a:xfrm>
+      </p:grpSpPr>
+      <p:sp>
+        <p:nvSpPr>
+          <p:cNvPr id="2" name="Slide Image Placeholder 1"/>
+          <p:cNvSpPr>
+            <a:spLocks noGrp="1" noRot="1" noChangeAspect="1"/>
+          </p:cNvSpPr>
+          <p:nvPr>
+            <p:ph type="sldImg"/>
+          </p:nvPr>
+        </p:nvSpPr>
+        <p:spPr/>
+      </p:sp>
+      <p:sp>
+        <p:nvSpPr>
+          <p:cNvPr id="3" name="Notes Placeholder 2"/>
+          <p:cNvSpPr>
+            <a:spLocks noGrp="1"/>
+          </p:cNvSpPr>
+          <p:nvPr>
+            <p:ph type="body" idx="1"/>
+          </p:nvPr>
+        </p:nvSpPr>
+        <p:spPr/>
+        <p:txBody>
+          <a:bodyPr/>
+          <a:lstStyle/>
+          <a:p>
+            <a:endParaRPr lang="en-US"/>
+          </a:p>
+        </p:txBody>
+      </p:sp>
+      <p:sp>
+        <p:nvSpPr>
+          <p:cNvPr id="4" name="Slide Number Placeholder 3"/>
+          <p:cNvSpPr>
+            <a:spLocks noGrp="1"/>
+          </p:cNvSpPr>
+          <p:nvPr>
+            <p:ph type="sldNum" sz="quarter" idx="10"/>
+          </p:nvPr>
+        </p:nvSpPr>
+        <p:spPr/>
+        <p:txBody>
+          <a:bodyPr/>
+          <a:lstStyle/>
+          <a:p>
+            <a:fld id="{6513C591-A6E0-0F42-9D30-960B33A1F915}" type="slidenum">
+              <a:rPr lang="en-US" smtClean="0"/>
+              <a:pPr/>
+              <a:t>14</a:t>
+            </a:fld>
+            <a:endParaRPr lang="en-US" dirty="0"/>
+          </a:p>
+        </p:txBody>
+      </p:sp>
+    </p:spTree>
+    <p:extLst>
+      <p:ext uri="{BB962C8B-B14F-4D97-AF65-F5344CB8AC3E}">
+        <p14:creationId xmlns:p14="http://schemas.microsoft.com/office/powerpoint/2010/main" val="952003854"/>
       </p:ext>
     </p:extLst>
   </p:cSld>
@@ -2956,7 +3130,15 @@
             </a:r>
             <a:r>
               <a:rPr lang="en-US" dirty="0" smtClean="0"/>
-              <a:t> including local community as an actor</a:t>
+              <a:t> </a:t>
+            </a:r>
+            <a:r>
+              <a:rPr lang="en-US" dirty="0" smtClean="0"/>
+              <a:t>how to include </a:t>
+            </a:r>
+            <a:r>
+              <a:rPr lang="en-US" dirty="0" smtClean="0"/>
+              <a:t>local community as an active actor</a:t>
             </a:r>
             <a:endParaRPr lang="en-US" dirty="0"/>
           </a:p>
@@ -3118,23 +3300,7 @@
           <a:p>
             <a:r>
               <a:rPr lang="en-US" dirty="0" smtClean="0"/>
-              <a:t>“How do communities respond to large scale energy projects? </a:t>
-            </a:r>
-            <a:r>
-              <a:rPr lang="en-US" dirty="0"/>
-              <a:t>D</a:t>
-            </a:r>
-            <a:r>
-              <a:rPr lang="en-US" dirty="0" smtClean="0"/>
-              <a:t>oes their </a:t>
-            </a:r>
-            <a:r>
-              <a:rPr lang="en-US" smtClean="0"/>
-              <a:t>response affect </a:t>
-            </a:r>
-            <a:r>
-              <a:rPr lang="en-US" dirty="0" smtClean="0"/>
-              <a:t>the total benefit to society?”</a:t>
+              <a:t>“How do communities respond to large scale energy projects? Does the inclusion of community response to large scale energy project affect the validity of the modeling outcome?”</a:t>
             </a:r>
             <a:endParaRPr lang="en-US" dirty="0"/>
           </a:p>
@@ -3171,6 +3337,644 @@
     <p:extLst>
       <p:ext uri="{BB962C8B-B14F-4D97-AF65-F5344CB8AC3E}">
         <p14:creationId xmlns:p14="http://schemas.microsoft.com/office/powerpoint/2010/main" val="2146362131"/>
+      </p:ext>
+    </p:extLst>
+  </p:cSld>
+  <p:clrMapOvr>
+    <a:masterClrMapping/>
+  </p:clrMapOvr>
+</p:sld>
+</file>
+
+<file path=ppt/slides/slide13.xml><?xml version="1.0" encoding="utf-8"?>
+<p:sld xmlns:a="http://schemas.openxmlformats.org/drawingml/2006/main" xmlns:r="http://schemas.openxmlformats.org/officeDocument/2006/relationships" xmlns:p="http://schemas.openxmlformats.org/presentationml/2006/main">
+  <p:cSld>
+    <p:spTree>
+      <p:nvGrpSpPr>
+        <p:cNvPr id="1" name=""/>
+        <p:cNvGrpSpPr/>
+        <p:nvPr/>
+      </p:nvGrpSpPr>
+      <p:grpSpPr>
+        <a:xfrm>
+          <a:off x="0" y="0"/>
+          <a:ext cx="0" cy="0"/>
+          <a:chOff x="0" y="0"/>
+          <a:chExt cx="0" cy="0"/>
+        </a:xfrm>
+      </p:grpSpPr>
+      <p:sp>
+        <p:nvSpPr>
+          <p:cNvPr id="4" name="Title 3"/>
+          <p:cNvSpPr>
+            <a:spLocks noGrp="1"/>
+          </p:cNvSpPr>
+          <p:nvPr>
+            <p:ph type="title"/>
+          </p:nvPr>
+        </p:nvSpPr>
+        <p:spPr/>
+        <p:txBody>
+          <a:bodyPr>
+            <a:normAutofit/>
+          </a:bodyPr>
+          <a:lstStyle/>
+          <a:p>
+            <a:r>
+              <a:rPr lang="en-CA" dirty="0" smtClean="0"/>
+              <a:t>Prior research</a:t>
+            </a:r>
+            <a:endParaRPr lang="en-US" dirty="0"/>
+          </a:p>
+        </p:txBody>
+      </p:sp>
+      <p:sp>
+        <p:nvSpPr>
+          <p:cNvPr id="5" name="Content Placeholder 4"/>
+          <p:cNvSpPr>
+            <a:spLocks noGrp="1"/>
+          </p:cNvSpPr>
+          <p:nvPr>
+            <p:ph idx="1"/>
+          </p:nvPr>
+        </p:nvSpPr>
+        <p:spPr/>
+        <p:txBody>
+          <a:bodyPr/>
+          <a:lstStyle/>
+          <a:p>
+            <a:r>
+              <a:rPr lang="en-US" dirty="0" smtClean="0"/>
+              <a:t>Many prior literature measured </a:t>
+            </a:r>
+            <a:r>
+              <a:rPr lang="en-US" i="1" dirty="0" smtClean="0"/>
+              <a:t>ex post </a:t>
+            </a:r>
+            <a:r>
+              <a:rPr lang="en-US" dirty="0" smtClean="0"/>
+              <a:t>a community’s response to unconventional gas development around the world.</a:t>
+            </a:r>
+            <a:r>
+              <a:rPr lang="en-US" baseline="30000" dirty="0" smtClean="0"/>
+              <a:t>1,2</a:t>
+            </a:r>
+            <a:r>
+              <a:rPr lang="en-US" dirty="0" smtClean="0"/>
+              <a:t> </a:t>
+            </a:r>
+          </a:p>
+          <a:p>
+            <a:endParaRPr lang="en-US" dirty="0" smtClean="0"/>
+          </a:p>
+          <a:p>
+            <a:r>
+              <a:rPr lang="en-US" dirty="0" smtClean="0"/>
+              <a:t>A community’s perception of own well-being is dependent upon its response during the development. </a:t>
+            </a:r>
+          </a:p>
+          <a:p>
+            <a:endParaRPr lang="en-US" dirty="0"/>
+          </a:p>
+          <a:p>
+            <a:r>
+              <a:rPr lang="en-US" dirty="0" smtClean="0"/>
+              <a:t>Can be measured through both traditional surveys to community members, and also proxy variables such as housing market, employment etc. </a:t>
+            </a:r>
+            <a:endParaRPr lang="en-US" dirty="0"/>
+          </a:p>
+          <a:p>
+            <a:endParaRPr lang="en-US" dirty="0" smtClean="0"/>
+          </a:p>
+        </p:txBody>
+      </p:sp>
+      <p:sp>
+        <p:nvSpPr>
+          <p:cNvPr id="3" name="Slide Number Placeholder 2"/>
+          <p:cNvSpPr>
+            <a:spLocks noGrp="1"/>
+          </p:cNvSpPr>
+          <p:nvPr>
+            <p:ph type="sldNum" sz="quarter" idx="4"/>
+          </p:nvPr>
+        </p:nvSpPr>
+        <p:spPr/>
+        <p:txBody>
+          <a:bodyPr/>
+          <a:lstStyle/>
+          <a:p>
+            <a:fld id="{9699C571-647A-A84A-9948-83AC87A749A0}" type="slidenum">
+              <a:rPr lang="en-US" smtClean="0"/>
+              <a:pPr/>
+              <a:t>13</a:t>
+            </a:fld>
+            <a:endParaRPr lang="en-US"/>
+          </a:p>
+        </p:txBody>
+      </p:sp>
+      <p:sp>
+        <p:nvSpPr>
+          <p:cNvPr id="6" name="Footer Placeholder 4"/>
+          <p:cNvSpPr>
+            <a:spLocks noGrp="1"/>
+          </p:cNvSpPr>
+          <p:nvPr>
+            <p:ph type="ftr" sz="quarter" idx="3"/>
+          </p:nvPr>
+        </p:nvSpPr>
+        <p:spPr>
+          <a:xfrm>
+            <a:off x="578738" y="6332536"/>
+            <a:ext cx="5014342" cy="365126"/>
+          </a:xfrm>
+        </p:spPr>
+        <p:txBody>
+          <a:bodyPr/>
+          <a:lstStyle/>
+          <a:p>
+            <a:pPr marL="342900" indent="-342900">
+              <a:buAutoNum type="arabicPeriod"/>
+            </a:pPr>
+            <a:r>
+              <a:rPr lang="en-US" sz="900" i="1" dirty="0" smtClean="0"/>
+              <a:t>Leonard</a:t>
+            </a:r>
+            <a:r>
+              <a:rPr lang="en-US" sz="900" i="1" dirty="0"/>
+              <a:t> </a:t>
+            </a:r>
+            <a:r>
+              <a:rPr lang="en-US" sz="900" i="1" dirty="0" smtClean="0"/>
+              <a:t>et al. “Perceptions </a:t>
+            </a:r>
+            <a:r>
+              <a:rPr lang="en-US" sz="900" i="1" dirty="0"/>
+              <a:t>of community responses to the unconventional gas </a:t>
+            </a:r>
+            <a:r>
+              <a:rPr lang="en-US" sz="900" i="1" dirty="0" smtClean="0"/>
+              <a:t>industry”. 2016.</a:t>
+            </a:r>
+          </a:p>
+          <a:p>
+            <a:pPr marL="342900" indent="-342900">
+              <a:buAutoNum type="arabicPeriod"/>
+            </a:pPr>
+            <a:r>
+              <a:rPr lang="en-US" sz="900" i="1" dirty="0" err="1"/>
+              <a:t>Theodori</a:t>
+            </a:r>
+            <a:r>
+              <a:rPr lang="en-US" sz="900" i="1" dirty="0"/>
+              <a:t>, Gene L. "Public perception of the natural gas </a:t>
+            </a:r>
+            <a:r>
+              <a:rPr lang="en-US" sz="900" i="1" dirty="0" smtClean="0"/>
+              <a:t>industry”. 2012.</a:t>
+            </a:r>
+          </a:p>
+        </p:txBody>
+      </p:sp>
+    </p:spTree>
+    <p:extLst>
+      <p:ext uri="{BB962C8B-B14F-4D97-AF65-F5344CB8AC3E}">
+        <p14:creationId xmlns:p14="http://schemas.microsoft.com/office/powerpoint/2010/main" val="1503906580"/>
+      </p:ext>
+    </p:extLst>
+  </p:cSld>
+  <p:clrMapOvr>
+    <a:masterClrMapping/>
+  </p:clrMapOvr>
+</p:sld>
+</file>
+
+<file path=ppt/slides/slide14.xml><?xml version="1.0" encoding="utf-8"?>
+<p:sld xmlns:a="http://schemas.openxmlformats.org/drawingml/2006/main" xmlns:r="http://schemas.openxmlformats.org/officeDocument/2006/relationships" xmlns:p="http://schemas.openxmlformats.org/presentationml/2006/main">
+  <p:cSld>
+    <p:spTree>
+      <p:nvGrpSpPr>
+        <p:cNvPr id="1" name=""/>
+        <p:cNvGrpSpPr/>
+        <p:nvPr/>
+      </p:nvGrpSpPr>
+      <p:grpSpPr>
+        <a:xfrm>
+          <a:off x="0" y="0"/>
+          <a:ext cx="0" cy="0"/>
+          <a:chOff x="0" y="0"/>
+          <a:chExt cx="0" cy="0"/>
+        </a:xfrm>
+      </p:grpSpPr>
+      <p:sp>
+        <p:nvSpPr>
+          <p:cNvPr id="4" name="Title 3"/>
+          <p:cNvSpPr>
+            <a:spLocks noGrp="1"/>
+          </p:cNvSpPr>
+          <p:nvPr>
+            <p:ph type="title"/>
+          </p:nvPr>
+        </p:nvSpPr>
+        <p:spPr/>
+        <p:txBody>
+          <a:bodyPr>
+            <a:normAutofit/>
+          </a:bodyPr>
+          <a:lstStyle/>
+          <a:p>
+            <a:r>
+              <a:rPr lang="en-CA" dirty="0" smtClean="0"/>
+              <a:t>Hypothesis</a:t>
+            </a:r>
+            <a:endParaRPr lang="en-US" dirty="0"/>
+          </a:p>
+        </p:txBody>
+      </p:sp>
+      <p:sp>
+        <p:nvSpPr>
+          <p:cNvPr id="5" name="Content Placeholder 4"/>
+          <p:cNvSpPr>
+            <a:spLocks noGrp="1"/>
+          </p:cNvSpPr>
+          <p:nvPr>
+            <p:ph idx="1"/>
+          </p:nvPr>
+        </p:nvSpPr>
+        <p:spPr/>
+        <p:txBody>
+          <a:bodyPr/>
+          <a:lstStyle/>
+          <a:p>
+            <a:r>
+              <a:rPr lang="en-US" dirty="0" smtClean="0"/>
+              <a:t>H1: Indicators such as house sale prices, rental prices, unemployment rate, income per capita, and population changes can be used to predict a community own response to energy development project, and in turn, a community’s sense of wellbeing. </a:t>
+            </a:r>
+          </a:p>
+          <a:p>
+            <a:endParaRPr lang="en-US" dirty="0"/>
+          </a:p>
+          <a:p>
+            <a:r>
+              <a:rPr lang="en-US" dirty="0" smtClean="0"/>
+              <a:t>H2: Including community sense of wellbeing as a parameter will result in more robust modeling outcomes when compared against real-world case studies. </a:t>
+            </a:r>
+          </a:p>
+        </p:txBody>
+      </p:sp>
+      <p:sp>
+        <p:nvSpPr>
+          <p:cNvPr id="3" name="Slide Number Placeholder 2"/>
+          <p:cNvSpPr>
+            <a:spLocks noGrp="1"/>
+          </p:cNvSpPr>
+          <p:nvPr>
+            <p:ph type="sldNum" sz="quarter" idx="4"/>
+          </p:nvPr>
+        </p:nvSpPr>
+        <p:spPr/>
+        <p:txBody>
+          <a:bodyPr/>
+          <a:lstStyle/>
+          <a:p>
+            <a:fld id="{9699C571-647A-A84A-9948-83AC87A749A0}" type="slidenum">
+              <a:rPr lang="en-US" smtClean="0"/>
+              <a:pPr/>
+              <a:t>14</a:t>
+            </a:fld>
+            <a:endParaRPr lang="en-US"/>
+          </a:p>
+        </p:txBody>
+      </p:sp>
+    </p:spTree>
+    <p:extLst>
+      <p:ext uri="{BB962C8B-B14F-4D97-AF65-F5344CB8AC3E}">
+        <p14:creationId xmlns:p14="http://schemas.microsoft.com/office/powerpoint/2010/main" val="1492319481"/>
+      </p:ext>
+    </p:extLst>
+  </p:cSld>
+  <p:clrMapOvr>
+    <a:masterClrMapping/>
+  </p:clrMapOvr>
+</p:sld>
+</file>
+
+<file path=ppt/slides/slide15.xml><?xml version="1.0" encoding="utf-8"?>
+<p:sld xmlns:a="http://schemas.openxmlformats.org/drawingml/2006/main" xmlns:r="http://schemas.openxmlformats.org/officeDocument/2006/relationships" xmlns:p="http://schemas.openxmlformats.org/presentationml/2006/main">
+  <p:cSld>
+    <p:spTree>
+      <p:nvGrpSpPr>
+        <p:cNvPr id="1" name=""/>
+        <p:cNvGrpSpPr/>
+        <p:nvPr/>
+      </p:nvGrpSpPr>
+      <p:grpSpPr>
+        <a:xfrm>
+          <a:off x="0" y="0"/>
+          <a:ext cx="0" cy="0"/>
+          <a:chOff x="0" y="0"/>
+          <a:chExt cx="0" cy="0"/>
+        </a:xfrm>
+      </p:grpSpPr>
+      <p:sp>
+        <p:nvSpPr>
+          <p:cNvPr id="2" name="Title 1"/>
+          <p:cNvSpPr>
+            <a:spLocks noGrp="1"/>
+          </p:cNvSpPr>
+          <p:nvPr>
+            <p:ph type="title"/>
+          </p:nvPr>
+        </p:nvSpPr>
+        <p:spPr/>
+        <p:txBody>
+          <a:bodyPr/>
+          <a:lstStyle/>
+          <a:p>
+            <a:r>
+              <a:rPr lang="en-US" dirty="0" smtClean="0"/>
+              <a:t>Research plan</a:t>
+            </a:r>
+            <a:endParaRPr lang="en-US" dirty="0"/>
+          </a:p>
+        </p:txBody>
+      </p:sp>
+      <p:sp>
+        <p:nvSpPr>
+          <p:cNvPr id="3" name="Content Placeholder 2"/>
+          <p:cNvSpPr>
+            <a:spLocks noGrp="1"/>
+          </p:cNvSpPr>
+          <p:nvPr>
+            <p:ph idx="1"/>
+          </p:nvPr>
+        </p:nvSpPr>
+        <p:spPr/>
+        <p:txBody>
+          <a:bodyPr/>
+          <a:lstStyle/>
+          <a:p>
+            <a:pPr marL="514350" indent="-514350">
+              <a:buFont typeface="+mj-lt"/>
+              <a:buAutoNum type="arabicPeriod"/>
+            </a:pPr>
+            <a:r>
+              <a:rPr lang="en-US" dirty="0" smtClean="0"/>
+              <a:t>Identify a region of interest where community satisfaction has already been measured. </a:t>
+            </a:r>
+          </a:p>
+          <a:p>
+            <a:pPr marL="1200150" lvl="1" indent="-514350"/>
+            <a:r>
+              <a:rPr lang="en-US" dirty="0"/>
+              <a:t>Perceived Impacts from Wind Farm and Natural Gas Development in Northern </a:t>
+            </a:r>
+            <a:r>
+              <a:rPr lang="en-US" dirty="0" smtClean="0"/>
+              <a:t>Pennsylvania, </a:t>
+            </a:r>
+            <a:r>
+              <a:rPr lang="en-US" dirty="0" err="1" smtClean="0"/>
+              <a:t>Jacquet</a:t>
+            </a:r>
+            <a:r>
+              <a:rPr lang="en-US" dirty="0"/>
+              <a:t> and Stedman 2013; Marcellus Shale </a:t>
+            </a:r>
+            <a:r>
+              <a:rPr lang="en-US" dirty="0" err="1"/>
+              <a:t>Developmentand</a:t>
+            </a:r>
+            <a:r>
+              <a:rPr lang="en-US" dirty="0"/>
+              <a:t> the Susquehanna </a:t>
+            </a:r>
+            <a:r>
+              <a:rPr lang="en-US" dirty="0" smtClean="0"/>
+              <a:t>River, </a:t>
+            </a:r>
+            <a:r>
+              <a:rPr lang="en-US" dirty="0" err="1" smtClean="0"/>
+              <a:t>Heuer</a:t>
+            </a:r>
+            <a:r>
+              <a:rPr lang="en-US" dirty="0" smtClean="0"/>
+              <a:t> and Lee, 2014. </a:t>
+            </a:r>
+          </a:p>
+          <a:p>
+            <a:pPr marL="514350" indent="-514350"/>
+            <a:r>
+              <a:rPr lang="en-US" dirty="0" smtClean="0"/>
+              <a:t>2. 	Using US Census data, gather the relevant information of the interested indicators.</a:t>
+            </a:r>
+          </a:p>
+          <a:p>
+            <a:pPr marL="514350" indent="-514350"/>
+            <a:r>
+              <a:rPr lang="en-US" dirty="0" smtClean="0"/>
+              <a:t>3. 	Perform a multi-variate OLS to understand the relationship between these indicators and the measured community satisfaction. </a:t>
+            </a:r>
+            <a:endParaRPr lang="en-US" dirty="0"/>
+          </a:p>
+        </p:txBody>
+      </p:sp>
+      <p:sp>
+        <p:nvSpPr>
+          <p:cNvPr id="4" name="Slide Number Placeholder 3"/>
+          <p:cNvSpPr>
+            <a:spLocks noGrp="1"/>
+          </p:cNvSpPr>
+          <p:nvPr>
+            <p:ph type="sldNum" sz="quarter" idx="4"/>
+          </p:nvPr>
+        </p:nvSpPr>
+        <p:spPr/>
+        <p:txBody>
+          <a:bodyPr/>
+          <a:lstStyle/>
+          <a:p>
+            <a:fld id="{9699C571-647A-A84A-9948-83AC87A749A0}" type="slidenum">
+              <a:rPr lang="en-US" smtClean="0"/>
+              <a:pPr/>
+              <a:t>15</a:t>
+            </a:fld>
+            <a:endParaRPr lang="en-US"/>
+          </a:p>
+        </p:txBody>
+      </p:sp>
+      <p:sp>
+        <p:nvSpPr>
+          <p:cNvPr id="5" name="Footer Placeholder 4"/>
+          <p:cNvSpPr>
+            <a:spLocks noGrp="1"/>
+          </p:cNvSpPr>
+          <p:nvPr>
+            <p:ph type="ftr" sz="quarter" idx="3"/>
+          </p:nvPr>
+        </p:nvSpPr>
+        <p:spPr/>
+        <p:txBody>
+          <a:bodyPr/>
+          <a:lstStyle/>
+          <a:p>
+            <a:endParaRPr lang="en-US" dirty="0"/>
+          </a:p>
+        </p:txBody>
+      </p:sp>
+    </p:spTree>
+    <p:extLst>
+      <p:ext uri="{BB962C8B-B14F-4D97-AF65-F5344CB8AC3E}">
+        <p14:creationId xmlns:p14="http://schemas.microsoft.com/office/powerpoint/2010/main" val="1468863408"/>
+      </p:ext>
+    </p:extLst>
+  </p:cSld>
+  <p:clrMapOvr>
+    <a:masterClrMapping/>
+  </p:clrMapOvr>
+</p:sld>
+</file>
+
+<file path=ppt/slides/slide16.xml><?xml version="1.0" encoding="utf-8"?>
+<p:sld xmlns:a="http://schemas.openxmlformats.org/drawingml/2006/main" xmlns:r="http://schemas.openxmlformats.org/officeDocument/2006/relationships" xmlns:p="http://schemas.openxmlformats.org/presentationml/2006/main">
+  <p:cSld>
+    <p:spTree>
+      <p:nvGrpSpPr>
+        <p:cNvPr id="1" name=""/>
+        <p:cNvGrpSpPr/>
+        <p:nvPr/>
+      </p:nvGrpSpPr>
+      <p:grpSpPr>
+        <a:xfrm>
+          <a:off x="0" y="0"/>
+          <a:ext cx="0" cy="0"/>
+          <a:chOff x="0" y="0"/>
+          <a:chExt cx="0" cy="0"/>
+        </a:xfrm>
+      </p:grpSpPr>
+      <p:sp>
+        <p:nvSpPr>
+          <p:cNvPr id="2" name="Title 1"/>
+          <p:cNvSpPr>
+            <a:spLocks noGrp="1"/>
+          </p:cNvSpPr>
+          <p:nvPr>
+            <p:ph type="title"/>
+          </p:nvPr>
+        </p:nvSpPr>
+        <p:spPr/>
+        <p:txBody>
+          <a:bodyPr/>
+          <a:lstStyle/>
+          <a:p>
+            <a:r>
+              <a:rPr lang="en-US" dirty="0" smtClean="0"/>
+              <a:t>Research plan - continued</a:t>
+            </a:r>
+            <a:endParaRPr lang="en-US" dirty="0"/>
+          </a:p>
+        </p:txBody>
+      </p:sp>
+      <p:sp>
+        <p:nvSpPr>
+          <p:cNvPr id="3" name="Content Placeholder 2"/>
+          <p:cNvSpPr>
+            <a:spLocks noGrp="1"/>
+          </p:cNvSpPr>
+          <p:nvPr>
+            <p:ph idx="1"/>
+          </p:nvPr>
+        </p:nvSpPr>
+        <p:spPr/>
+        <p:txBody>
+          <a:bodyPr/>
+          <a:lstStyle/>
+          <a:p>
+            <a:pPr marL="514350" indent="-514350">
+              <a:buFont typeface="+mj-lt"/>
+              <a:buAutoNum type="arabicPeriod" startAt="4"/>
+            </a:pPr>
+            <a:r>
+              <a:rPr lang="en-US" dirty="0" smtClean="0"/>
+              <a:t>If the OLS regression shows significant result, it can then be included as a submodule in the overall CADS framework. </a:t>
+            </a:r>
+          </a:p>
+          <a:p>
+            <a:pPr marL="514350" indent="-514350">
+              <a:buFont typeface="+mj-lt"/>
+              <a:buAutoNum type="arabicPeriod" startAt="4"/>
+            </a:pPr>
+            <a:r>
+              <a:rPr lang="en-US" dirty="0" smtClean="0"/>
+              <a:t>Using Rebecca’s CADS work, and adding the new submodule, I will apply CADS to a new case study. </a:t>
+            </a:r>
+          </a:p>
+          <a:p>
+            <a:pPr marL="514350" indent="-514350">
+              <a:buFont typeface="+mj-lt"/>
+              <a:buAutoNum type="arabicPeriod" startAt="4"/>
+            </a:pPr>
+            <a:r>
+              <a:rPr lang="en-US" dirty="0" smtClean="0"/>
+              <a:t>Compare and analyze the result of CADS with actual data. </a:t>
+            </a:r>
+            <a:endParaRPr lang="en-US" dirty="0"/>
+          </a:p>
+          <a:p>
+            <a:pPr marL="514350" indent="-514350">
+              <a:buFont typeface="+mj-lt"/>
+              <a:buAutoNum type="arabicPeriod" startAt="4"/>
+            </a:pPr>
+            <a:endParaRPr lang="en-US" dirty="0"/>
+          </a:p>
+        </p:txBody>
+      </p:sp>
+      <p:sp>
+        <p:nvSpPr>
+          <p:cNvPr id="4" name="Slide Number Placeholder 3"/>
+          <p:cNvSpPr>
+            <a:spLocks noGrp="1"/>
+          </p:cNvSpPr>
+          <p:nvPr>
+            <p:ph type="sldNum" sz="quarter" idx="4"/>
+          </p:nvPr>
+        </p:nvSpPr>
+        <p:spPr/>
+        <p:txBody>
+          <a:bodyPr/>
+          <a:lstStyle/>
+          <a:p>
+            <a:fld id="{9699C571-647A-A84A-9948-83AC87A749A0}" type="slidenum">
+              <a:rPr lang="en-US" smtClean="0"/>
+              <a:pPr/>
+              <a:t>16</a:t>
+            </a:fld>
+            <a:endParaRPr lang="en-US"/>
+          </a:p>
+        </p:txBody>
+      </p:sp>
+      <p:sp>
+        <p:nvSpPr>
+          <p:cNvPr id="5" name="Footer Placeholder 4"/>
+          <p:cNvSpPr>
+            <a:spLocks noGrp="1"/>
+          </p:cNvSpPr>
+          <p:nvPr>
+            <p:ph type="ftr" sz="quarter" idx="3"/>
+          </p:nvPr>
+        </p:nvSpPr>
+        <p:spPr/>
+        <p:txBody>
+          <a:bodyPr/>
+          <a:lstStyle/>
+          <a:p>
+            <a:endParaRPr lang="en-US" dirty="0"/>
+          </a:p>
+        </p:txBody>
+      </p:sp>
+    </p:spTree>
+    <p:extLst>
+      <p:ext uri="{BB962C8B-B14F-4D97-AF65-F5344CB8AC3E}">
+        <p14:creationId xmlns:p14="http://schemas.microsoft.com/office/powerpoint/2010/main" val="1046076662"/>
       </p:ext>
     </p:extLst>
   </p:cSld>
@@ -3679,16 +4483,16 @@
           <a:p>
             <a:r>
               <a:rPr lang="en-US" dirty="0" smtClean="0"/>
-              <a:t>H2: However, there will be discrepancies due to different methods and analytical tools employed. </a:t>
-            </a:r>
-          </a:p>
-          <a:p>
-            <a:endParaRPr lang="en-US" dirty="0"/>
-          </a:p>
-          <a:p>
-            <a:r>
-              <a:rPr lang="en-US" dirty="0" smtClean="0"/>
-              <a:t>H3: CADS results will have greater variability due to the use of experts, rather than a systematic generation of possible scenarios. </a:t>
+              <a:t>H2: However, there will be discrepancies in specific results due to different methods and analytical tools employed. </a:t>
+            </a:r>
+          </a:p>
+          <a:p>
+            <a:endParaRPr lang="en-US" dirty="0"/>
+          </a:p>
+          <a:p>
+            <a:r>
+              <a:rPr lang="en-US" dirty="0" smtClean="0"/>
+              <a:t>H3: CADS results will have greater variability due to the use of experts elicitation, rather than a systematic generation of possible scenarios. </a:t>
             </a:r>
           </a:p>
         </p:txBody>
@@ -3948,7 +4752,13 @@
           <a:p>
             <a:r>
               <a:rPr lang="en-US" dirty="0" smtClean="0"/>
-              <a:t>Limited in number</a:t>
+              <a:t>Limited in number of case studies available</a:t>
+            </a:r>
+          </a:p>
+          <a:p>
+            <a:r>
+              <a:rPr lang="en-US" dirty="0" smtClean="0"/>
+              <a:t>Might not have the expertise in-house to define the model</a:t>
             </a:r>
           </a:p>
           <a:p>
